--- a/презентация.pptx
+++ b/презентация.pptx
@@ -6,6 +6,15 @@
   </p:sldMasterIdLst>
   <p:sldIdLst>
     <p:sldId id="256" r:id="rId2"/>
+    <p:sldId id="258" r:id="rId3"/>
+    <p:sldId id="257" r:id="rId4"/>
+    <p:sldId id="259" r:id="rId5"/>
+    <p:sldId id="260" r:id="rId6"/>
+    <p:sldId id="261" r:id="rId7"/>
+    <p:sldId id="262" r:id="rId8"/>
+    <p:sldId id="263" r:id="rId9"/>
+    <p:sldId id="264" r:id="rId10"/>
+    <p:sldId id="265" r:id="rId11"/>
   </p:sldIdLst>
   <p:sldSz cx="12192000" cy="6858000"/>
   <p:notesSz cx="6858000" cy="9144000"/>
@@ -104,6 +113,11 @@
       </a:defRPr>
     </a:lvl9pPr>
   </p:defaultTextStyle>
+  <p:extLst>
+    <p:ext uri="{EFAFB233-063F-42B5-8137-9DF3F51BA10A}">
+      <p15:sldGuideLst xmlns:p15="http://schemas.microsoft.com/office/powerpoint/2012/main"/>
+    </p:ext>
+  </p:extLst>
 </p:presentation>
 </file>
 
@@ -3363,7 +3377,7 @@
           <a:bodyPr/>
           <a:lstStyle/>
           <a:p>
-            <a:endParaRPr lang="LID4096"/>
+            <a:endParaRPr lang="LID4096" dirty="0"/>
           </a:p>
         </p:txBody>
       </p:sp>
@@ -3396,6 +3410,1273 @@
     <p:extLst>
       <p:ext uri="{BB962C8B-B14F-4D97-AF65-F5344CB8AC3E}">
         <p14:creationId xmlns:p14="http://schemas.microsoft.com/office/powerpoint/2010/main" val="506018657"/>
+      </p:ext>
+    </p:extLst>
+  </p:cSld>
+  <p:clrMapOvr>
+    <a:masterClrMapping/>
+  </p:clrMapOvr>
+</p:sld>
+</file>
+
+<file path=ppt/slides/slide10.xml><?xml version="1.0" encoding="utf-8"?>
+<p:sld xmlns:a="http://schemas.openxmlformats.org/drawingml/2006/main" xmlns:r="http://schemas.openxmlformats.org/officeDocument/2006/relationships" xmlns:p="http://schemas.openxmlformats.org/presentationml/2006/main">
+  <p:cSld>
+    <p:spTree>
+      <p:nvGrpSpPr>
+        <p:cNvPr id="1" name=""/>
+        <p:cNvGrpSpPr/>
+        <p:nvPr/>
+      </p:nvGrpSpPr>
+      <p:grpSpPr>
+        <a:xfrm>
+          <a:off x="0" y="0"/>
+          <a:ext cx="0" cy="0"/>
+          <a:chOff x="0" y="0"/>
+          <a:chExt cx="0" cy="0"/>
+        </a:xfrm>
+      </p:grpSpPr>
+      <p:sp>
+        <p:nvSpPr>
+          <p:cNvPr id="2" name="Title 1">
+            <a:extLst>
+              <a:ext uri="{FF2B5EF4-FFF2-40B4-BE49-F238E27FC236}">
+                <a16:creationId xmlns:a16="http://schemas.microsoft.com/office/drawing/2014/main" id="{FA9FE734-B889-1DF3-495D-387FFDC4C043}"/>
+              </a:ext>
+            </a:extLst>
+          </p:cNvPr>
+          <p:cNvSpPr>
+            <a:spLocks noGrp="1"/>
+          </p:cNvSpPr>
+          <p:nvPr>
+            <p:ph type="title"/>
+          </p:nvPr>
+        </p:nvSpPr>
+        <p:spPr>
+          <a:xfrm>
+            <a:off x="298580" y="365125"/>
+            <a:ext cx="11532636" cy="1325563"/>
+          </a:xfrm>
+        </p:spPr>
+        <p:txBody>
+          <a:bodyPr>
+            <a:normAutofit fontScale="90000"/>
+          </a:bodyPr>
+          <a:lstStyle/>
+          <a:p>
+            <a:r>
+              <a:rPr lang="ru-RU" dirty="0"/>
+              <a:t>Проверка на использование паспорта несколькими людьми</a:t>
+            </a:r>
+            <a:r>
+              <a:rPr lang="en-CA" dirty="0"/>
+              <a:t>(fine_tune.py </a:t>
+            </a:r>
+            <a:r>
+              <a:rPr lang="ru-RU" dirty="0"/>
+              <a:t>и </a:t>
+            </a:r>
+            <a:r>
+              <a:rPr lang="en-CA" dirty="0"/>
+              <a:t>name_check.py)</a:t>
+            </a:r>
+            <a:endParaRPr lang="LID4096" dirty="0"/>
+          </a:p>
+        </p:txBody>
+      </p:sp>
+      <p:sp>
+        <p:nvSpPr>
+          <p:cNvPr id="3" name="Content Placeholder 2">
+            <a:extLst>
+              <a:ext uri="{FF2B5EF4-FFF2-40B4-BE49-F238E27FC236}">
+                <a16:creationId xmlns:a16="http://schemas.microsoft.com/office/drawing/2014/main" id="{A6194CF5-1456-AC87-3A74-0E2B68447D42}"/>
+              </a:ext>
+            </a:extLst>
+          </p:cNvPr>
+          <p:cNvSpPr>
+            <a:spLocks noGrp="1"/>
+          </p:cNvSpPr>
+          <p:nvPr>
+            <p:ph idx="1"/>
+          </p:nvPr>
+        </p:nvSpPr>
+        <p:spPr>
+          <a:xfrm>
+            <a:off x="838200" y="1853616"/>
+            <a:ext cx="10515600" cy="4827101"/>
+          </a:xfrm>
+        </p:spPr>
+        <p:txBody>
+          <a:bodyPr>
+            <a:normAutofit/>
+          </a:bodyPr>
+          <a:lstStyle/>
+          <a:p>
+            <a:r>
+              <a:rPr lang="ru-RU" dirty="0"/>
+              <a:t>Поскольку имена в трех изначальных файлах были даны в разном формате для проверки использования одного паспорта несколькими людьми, была дообучена </a:t>
+            </a:r>
+            <a:r>
+              <a:rPr lang="en-CA" dirty="0"/>
+              <a:t>Llama-3.2-3b(</a:t>
+            </a:r>
+            <a:r>
+              <a:rPr lang="ru-RU" dirty="0">
+                <a:hlinkClick r:id="rId2"/>
+              </a:rPr>
+              <a:t>ссылка</a:t>
+            </a:r>
+            <a:r>
+              <a:rPr lang="en-CA" dirty="0"/>
+              <a:t>)</a:t>
+            </a:r>
+            <a:r>
+              <a:rPr lang="ru-RU" dirty="0"/>
+              <a:t> на русскоязычном датасете(</a:t>
+            </a:r>
+            <a:r>
+              <a:rPr lang="ru-RU" dirty="0">
+                <a:hlinkClick r:id="rId3"/>
+              </a:rPr>
+              <a:t>ссылка</a:t>
+            </a:r>
+            <a:r>
+              <a:rPr lang="ru-RU" dirty="0"/>
+              <a:t>) </a:t>
+            </a:r>
+            <a:r>
+              <a:rPr lang="ru-RU" b="0" i="0" dirty="0">
+                <a:solidFill>
+                  <a:srgbClr val="000000"/>
+                </a:solidFill>
+                <a:effectLst/>
+                <a:latin typeface="REG"/>
+              </a:rPr>
+              <a:t>и написан промпт для языковой модели:</a:t>
+            </a:r>
+          </a:p>
+          <a:p>
+            <a:pPr marL="0" indent="0">
+              <a:buNone/>
+            </a:pPr>
+            <a:r>
+              <a:rPr lang="ru-RU" dirty="0"/>
+              <a:t>Ты - помощник для сравнения полей с именами. Тебе даны три поля: "FullName(rus)", "FirstName+LastName" и склеенное поле из "FirstName", "SecondName" и "LastName". Твоя задача - проверить, совпадают ли эти поля. Имя считается совпадающим, даже если отсутствует "SecondName", но "FirstName" и "LastName" совпадают. Ответь "Да", если имена совпадают, и "Нет", если нет.</a:t>
+            </a:r>
+            <a:endParaRPr lang="LID4096" dirty="0"/>
+          </a:p>
+        </p:txBody>
+      </p:sp>
+    </p:spTree>
+    <p:extLst>
+      <p:ext uri="{BB962C8B-B14F-4D97-AF65-F5344CB8AC3E}">
+        <p14:creationId xmlns:p14="http://schemas.microsoft.com/office/powerpoint/2010/main" val="3412852114"/>
+      </p:ext>
+    </p:extLst>
+  </p:cSld>
+  <p:clrMapOvr>
+    <a:masterClrMapping/>
+  </p:clrMapOvr>
+</p:sld>
+</file>
+
+<file path=ppt/slides/slide2.xml><?xml version="1.0" encoding="utf-8"?>
+<p:sld xmlns:a="http://schemas.openxmlformats.org/drawingml/2006/main" xmlns:r="http://schemas.openxmlformats.org/officeDocument/2006/relationships" xmlns:p="http://schemas.openxmlformats.org/presentationml/2006/main">
+  <p:cSld>
+    <p:spTree>
+      <p:nvGrpSpPr>
+        <p:cNvPr id="1" name=""/>
+        <p:cNvGrpSpPr/>
+        <p:nvPr/>
+      </p:nvGrpSpPr>
+      <p:grpSpPr>
+        <a:xfrm>
+          <a:off x="0" y="0"/>
+          <a:ext cx="0" cy="0"/>
+          <a:chOff x="0" y="0"/>
+          <a:chExt cx="0" cy="0"/>
+        </a:xfrm>
+      </p:grpSpPr>
+      <p:sp>
+        <p:nvSpPr>
+          <p:cNvPr id="2" name="Title 1">
+            <a:extLst>
+              <a:ext uri="{FF2B5EF4-FFF2-40B4-BE49-F238E27FC236}">
+                <a16:creationId xmlns:a16="http://schemas.microsoft.com/office/drawing/2014/main" id="{B3C51275-AB54-75CA-04FE-42C0FBB1D20E}"/>
+              </a:ext>
+            </a:extLst>
+          </p:cNvPr>
+          <p:cNvSpPr>
+            <a:spLocks noGrp="1"/>
+          </p:cNvSpPr>
+          <p:nvPr>
+            <p:ph type="title"/>
+          </p:nvPr>
+        </p:nvSpPr>
+        <p:spPr/>
+        <p:txBody>
+          <a:bodyPr/>
+          <a:lstStyle/>
+          <a:p>
+            <a:r>
+              <a:rPr lang="ru-RU" dirty="0"/>
+              <a:t>Конвертация </a:t>
+            </a:r>
+            <a:r>
+              <a:rPr lang="en-CA" dirty="0" err="1"/>
+              <a:t>YourBoardingPassDotAero</a:t>
+            </a:r>
+            <a:r>
+              <a:rPr lang="ru-RU" dirty="0"/>
+              <a:t> в один файл</a:t>
+            </a:r>
+            <a:endParaRPr lang="LID4096" dirty="0"/>
+          </a:p>
+        </p:txBody>
+      </p:sp>
+      <p:sp>
+        <p:nvSpPr>
+          <p:cNvPr id="3" name="Content Placeholder 2">
+            <a:extLst>
+              <a:ext uri="{FF2B5EF4-FFF2-40B4-BE49-F238E27FC236}">
+                <a16:creationId xmlns:a16="http://schemas.microsoft.com/office/drawing/2014/main" id="{11C1800E-F813-6D15-4EBC-B89612CE484A}"/>
+              </a:ext>
+            </a:extLst>
+          </p:cNvPr>
+          <p:cNvSpPr>
+            <a:spLocks noGrp="1"/>
+          </p:cNvSpPr>
+          <p:nvPr>
+            <p:ph idx="1"/>
+          </p:nvPr>
+        </p:nvSpPr>
+        <p:spPr/>
+        <p:txBody>
+          <a:bodyPr/>
+          <a:lstStyle/>
+          <a:p>
+            <a:r>
+              <a:rPr lang="ru-RU" dirty="0"/>
+              <a:t>Был использован скрипт </a:t>
+            </a:r>
+            <a:r>
+              <a:rPr lang="en-CA" dirty="0"/>
+              <a:t>Boarding_pass_process.py</a:t>
+            </a:r>
+          </a:p>
+          <a:p>
+            <a:r>
+              <a:rPr lang="ru-RU" dirty="0"/>
+              <a:t>Конверитировали значения пола из формата </a:t>
+            </a:r>
+            <a:r>
+              <a:rPr lang="en-CA" dirty="0" err="1"/>
+              <a:t>Mr</a:t>
+            </a:r>
+            <a:r>
+              <a:rPr lang="en-CA" dirty="0"/>
+              <a:t>/</a:t>
+            </a:r>
+            <a:r>
+              <a:rPr lang="en-CA" dirty="0" err="1"/>
+              <a:t>Mrs</a:t>
+            </a:r>
+            <a:r>
+              <a:rPr lang="en-CA" dirty="0"/>
+              <a:t> </a:t>
+            </a:r>
+            <a:r>
+              <a:rPr lang="ru-RU" dirty="0"/>
+              <a:t>в </a:t>
+            </a:r>
+            <a:r>
+              <a:rPr lang="en-CA" dirty="0"/>
+              <a:t>Male/Female</a:t>
+            </a:r>
+            <a:r>
+              <a:rPr lang="ru-RU" dirty="0"/>
+              <a:t>, чтобы данные были в одном формате</a:t>
+            </a:r>
+          </a:p>
+          <a:p>
+            <a:r>
+              <a:rPr lang="ru-RU" dirty="0"/>
+              <a:t>Данные из ячеек были струкутуризированы и объеденены в один файл</a:t>
+            </a:r>
+          </a:p>
+          <a:p>
+            <a:r>
+              <a:rPr lang="ru-RU" dirty="0"/>
+              <a:t>Во всех файлах при всех конвертациях номер документа всегда кастовался в </a:t>
+            </a:r>
+            <a:r>
+              <a:rPr lang="en-CA" dirty="0" err="1"/>
+              <a:t>strting</a:t>
+            </a:r>
+            <a:r>
+              <a:rPr lang="ru-RU" dirty="0"/>
+              <a:t>, дабы избежать потери нулей, если номер документа начинался с нулей</a:t>
+            </a:r>
+            <a:endParaRPr lang="LID4096" dirty="0"/>
+          </a:p>
+        </p:txBody>
+      </p:sp>
+    </p:spTree>
+    <p:extLst>
+      <p:ext uri="{BB962C8B-B14F-4D97-AF65-F5344CB8AC3E}">
+        <p14:creationId xmlns:p14="http://schemas.microsoft.com/office/powerpoint/2010/main" val="405196524"/>
+      </p:ext>
+    </p:extLst>
+  </p:cSld>
+  <p:clrMapOvr>
+    <a:masterClrMapping/>
+  </p:clrMapOvr>
+</p:sld>
+</file>
+
+<file path=ppt/slides/slide3.xml><?xml version="1.0" encoding="utf-8"?>
+<p:sld xmlns:a="http://schemas.openxmlformats.org/drawingml/2006/main" xmlns:r="http://schemas.openxmlformats.org/officeDocument/2006/relationships" xmlns:p="http://schemas.openxmlformats.org/presentationml/2006/main">
+  <p:cSld>
+    <p:spTree>
+      <p:nvGrpSpPr>
+        <p:cNvPr id="1" name=""/>
+        <p:cNvGrpSpPr/>
+        <p:nvPr/>
+      </p:nvGrpSpPr>
+      <p:grpSpPr>
+        <a:xfrm>
+          <a:off x="0" y="0"/>
+          <a:ext cx="0" cy="0"/>
+          <a:chOff x="0" y="0"/>
+          <a:chExt cx="0" cy="0"/>
+        </a:xfrm>
+      </p:grpSpPr>
+      <p:sp>
+        <p:nvSpPr>
+          <p:cNvPr id="2" name="Title 1">
+            <a:extLst>
+              <a:ext uri="{FF2B5EF4-FFF2-40B4-BE49-F238E27FC236}">
+                <a16:creationId xmlns:a16="http://schemas.microsoft.com/office/drawing/2014/main" id="{47FE2E8D-8A5D-CCAC-D8AA-6E81A5CDD10C}"/>
+              </a:ext>
+            </a:extLst>
+          </p:cNvPr>
+          <p:cNvSpPr>
+            <a:spLocks noGrp="1"/>
+          </p:cNvSpPr>
+          <p:nvPr>
+            <p:ph type="title"/>
+          </p:nvPr>
+        </p:nvSpPr>
+        <p:spPr/>
+        <p:txBody>
+          <a:bodyPr/>
+          <a:lstStyle/>
+          <a:p>
+            <a:r>
+              <a:rPr lang="ru-RU" dirty="0"/>
+              <a:t>Конвертация </a:t>
+            </a:r>
+            <a:r>
+              <a:rPr lang="en-CA" dirty="0"/>
+              <a:t>BoardingData.csv</a:t>
+            </a:r>
+            <a:r>
+              <a:rPr lang="ru-RU" dirty="0"/>
+              <a:t> в </a:t>
+            </a:r>
+            <a:r>
+              <a:rPr lang="en-CA" dirty="0"/>
+              <a:t>xlsx </a:t>
+            </a:r>
+            <a:r>
+              <a:rPr lang="ru-RU" dirty="0"/>
+              <a:t>формат</a:t>
+            </a:r>
+            <a:endParaRPr lang="LID4096" dirty="0"/>
+          </a:p>
+        </p:txBody>
+      </p:sp>
+      <p:sp>
+        <p:nvSpPr>
+          <p:cNvPr id="3" name="Content Placeholder 2">
+            <a:extLst>
+              <a:ext uri="{FF2B5EF4-FFF2-40B4-BE49-F238E27FC236}">
+                <a16:creationId xmlns:a16="http://schemas.microsoft.com/office/drawing/2014/main" id="{B97FA56B-265C-465B-36D9-F41EE954786F}"/>
+              </a:ext>
+            </a:extLst>
+          </p:cNvPr>
+          <p:cNvSpPr>
+            <a:spLocks noGrp="1"/>
+          </p:cNvSpPr>
+          <p:nvPr>
+            <p:ph idx="1"/>
+          </p:nvPr>
+        </p:nvSpPr>
+        <p:spPr/>
+        <p:txBody>
+          <a:bodyPr/>
+          <a:lstStyle/>
+          <a:p>
+            <a:r>
+              <a:rPr lang="ru-RU" dirty="0"/>
+              <a:t>Был использован скрипт </a:t>
+            </a:r>
+            <a:r>
+              <a:rPr lang="en-CA" dirty="0"/>
+              <a:t>Boarding_data_process.py</a:t>
+            </a:r>
+            <a:endParaRPr lang="ru-RU" dirty="0"/>
+          </a:p>
+          <a:p>
+            <a:r>
+              <a:rPr lang="ru-RU" dirty="0"/>
+              <a:t>Были изменены названия некоторых полей для приведения к общему формату и виду</a:t>
+            </a:r>
+            <a:endParaRPr lang="LID4096" dirty="0"/>
+          </a:p>
+        </p:txBody>
+      </p:sp>
+    </p:spTree>
+    <p:extLst>
+      <p:ext uri="{BB962C8B-B14F-4D97-AF65-F5344CB8AC3E}">
+        <p14:creationId xmlns:p14="http://schemas.microsoft.com/office/powerpoint/2010/main" val="3085838339"/>
+      </p:ext>
+    </p:extLst>
+  </p:cSld>
+  <p:clrMapOvr>
+    <a:masterClrMapping/>
+  </p:clrMapOvr>
+</p:sld>
+</file>
+
+<file path=ppt/slides/slide4.xml><?xml version="1.0" encoding="utf-8"?>
+<p:sld xmlns:a="http://schemas.openxmlformats.org/drawingml/2006/main" xmlns:r="http://schemas.openxmlformats.org/officeDocument/2006/relationships" xmlns:p="http://schemas.openxmlformats.org/presentationml/2006/main">
+  <p:cSld>
+    <p:spTree>
+      <p:nvGrpSpPr>
+        <p:cNvPr id="1" name=""/>
+        <p:cNvGrpSpPr/>
+        <p:nvPr/>
+      </p:nvGrpSpPr>
+      <p:grpSpPr>
+        <a:xfrm>
+          <a:off x="0" y="0"/>
+          <a:ext cx="0" cy="0"/>
+          <a:chOff x="0" y="0"/>
+          <a:chExt cx="0" cy="0"/>
+        </a:xfrm>
+      </p:grpSpPr>
+      <p:sp>
+        <p:nvSpPr>
+          <p:cNvPr id="2" name="Title 1">
+            <a:extLst>
+              <a:ext uri="{FF2B5EF4-FFF2-40B4-BE49-F238E27FC236}">
+                <a16:creationId xmlns:a16="http://schemas.microsoft.com/office/drawing/2014/main" id="{B3171995-9246-A751-C743-385104C32018}"/>
+              </a:ext>
+            </a:extLst>
+          </p:cNvPr>
+          <p:cNvSpPr>
+            <a:spLocks noGrp="1"/>
+          </p:cNvSpPr>
+          <p:nvPr>
+            <p:ph type="title"/>
+          </p:nvPr>
+        </p:nvSpPr>
+        <p:spPr/>
+        <p:txBody>
+          <a:bodyPr/>
+          <a:lstStyle/>
+          <a:p>
+            <a:r>
+              <a:rPr lang="ru-RU" dirty="0"/>
+              <a:t>Обработка </a:t>
+            </a:r>
+            <a:r>
+              <a:rPr lang="en-CA" dirty="0"/>
+              <a:t>Sirena-export-</a:t>
+            </a:r>
+            <a:r>
+              <a:rPr lang="en-CA" dirty="0" err="1"/>
+              <a:t>fixed.tab</a:t>
+            </a:r>
+            <a:endParaRPr lang="LID4096" dirty="0"/>
+          </a:p>
+        </p:txBody>
+      </p:sp>
+      <p:sp>
+        <p:nvSpPr>
+          <p:cNvPr id="3" name="Content Placeholder 2">
+            <a:extLst>
+              <a:ext uri="{FF2B5EF4-FFF2-40B4-BE49-F238E27FC236}">
+                <a16:creationId xmlns:a16="http://schemas.microsoft.com/office/drawing/2014/main" id="{2567B0B4-2A17-B221-303C-804E5F3C8A43}"/>
+              </a:ext>
+            </a:extLst>
+          </p:cNvPr>
+          <p:cNvSpPr>
+            <a:spLocks noGrp="1"/>
+          </p:cNvSpPr>
+          <p:nvPr>
+            <p:ph idx="1"/>
+          </p:nvPr>
+        </p:nvSpPr>
+        <p:spPr>
+          <a:xfrm>
+            <a:off x="838200" y="1825625"/>
+            <a:ext cx="2782078" cy="4351338"/>
+          </a:xfrm>
+        </p:spPr>
+        <p:txBody>
+          <a:bodyPr/>
+          <a:lstStyle/>
+          <a:p>
+            <a:r>
+              <a:rPr lang="ru-RU" dirty="0"/>
+              <a:t>Была использована встроенная </a:t>
+            </a:r>
+            <a:r>
+              <a:rPr lang="en-CA" dirty="0"/>
+              <a:t>excel </a:t>
+            </a:r>
+            <a:r>
+              <a:rPr lang="ru-RU" dirty="0"/>
+              <a:t>функция обработки данных</a:t>
+            </a:r>
+          </a:p>
+          <a:p>
+            <a:endParaRPr lang="LID4096" dirty="0"/>
+          </a:p>
+        </p:txBody>
+      </p:sp>
+      <p:pic>
+        <p:nvPicPr>
+          <p:cNvPr id="5" name="Picture 4">
+            <a:extLst>
+              <a:ext uri="{FF2B5EF4-FFF2-40B4-BE49-F238E27FC236}">
+                <a16:creationId xmlns:a16="http://schemas.microsoft.com/office/drawing/2014/main" id="{90631FB2-0CDA-BF9B-4A43-CD9B76A6EECA}"/>
+              </a:ext>
+            </a:extLst>
+          </p:cNvPr>
+          <p:cNvPicPr>
+            <a:picLocks noChangeAspect="1"/>
+          </p:cNvPicPr>
+          <p:nvPr/>
+        </p:nvPicPr>
+        <p:blipFill>
+          <a:blip r:embed="rId2"/>
+          <a:stretch>
+            <a:fillRect/>
+          </a:stretch>
+        </p:blipFill>
+        <p:spPr>
+          <a:xfrm>
+            <a:off x="4627984" y="1550455"/>
+            <a:ext cx="7464491" cy="5310371"/>
+          </a:xfrm>
+          <a:prstGeom prst="rect">
+            <a:avLst/>
+          </a:prstGeom>
+        </p:spPr>
+      </p:pic>
+    </p:spTree>
+    <p:extLst>
+      <p:ext uri="{BB962C8B-B14F-4D97-AF65-F5344CB8AC3E}">
+        <p14:creationId xmlns:p14="http://schemas.microsoft.com/office/powerpoint/2010/main" val="789413034"/>
+      </p:ext>
+    </p:extLst>
+  </p:cSld>
+  <p:clrMapOvr>
+    <a:masterClrMapping/>
+  </p:clrMapOvr>
+</p:sld>
+</file>
+
+<file path=ppt/slides/slide5.xml><?xml version="1.0" encoding="utf-8"?>
+<p:sld xmlns:a="http://schemas.openxmlformats.org/drawingml/2006/main" xmlns:r="http://schemas.openxmlformats.org/officeDocument/2006/relationships" xmlns:p="http://schemas.openxmlformats.org/presentationml/2006/main">
+  <p:cSld>
+    <p:spTree>
+      <p:nvGrpSpPr>
+        <p:cNvPr id="1" name=""/>
+        <p:cNvGrpSpPr/>
+        <p:nvPr/>
+      </p:nvGrpSpPr>
+      <p:grpSpPr>
+        <a:xfrm>
+          <a:off x="0" y="0"/>
+          <a:ext cx="0" cy="0"/>
+          <a:chOff x="0" y="0"/>
+          <a:chExt cx="0" cy="0"/>
+        </a:xfrm>
+      </p:grpSpPr>
+      <p:sp>
+        <p:nvSpPr>
+          <p:cNvPr id="2" name="Title 1">
+            <a:extLst>
+              <a:ext uri="{FF2B5EF4-FFF2-40B4-BE49-F238E27FC236}">
+                <a16:creationId xmlns:a16="http://schemas.microsoft.com/office/drawing/2014/main" id="{7CB16BC2-0282-A999-DB0A-F0A12CAD1912}"/>
+              </a:ext>
+            </a:extLst>
+          </p:cNvPr>
+          <p:cNvSpPr>
+            <a:spLocks noGrp="1"/>
+          </p:cNvSpPr>
+          <p:nvPr>
+            <p:ph type="title"/>
+          </p:nvPr>
+        </p:nvSpPr>
+        <p:spPr/>
+        <p:txBody>
+          <a:bodyPr/>
+          <a:lstStyle/>
+          <a:p>
+            <a:r>
+              <a:rPr lang="ru-RU" dirty="0"/>
+              <a:t>Проверка на использование паспорта несколькими людьми</a:t>
+            </a:r>
+            <a:endParaRPr lang="LID4096" dirty="0"/>
+          </a:p>
+        </p:txBody>
+      </p:sp>
+      <p:sp>
+        <p:nvSpPr>
+          <p:cNvPr id="3" name="Content Placeholder 2">
+            <a:extLst>
+              <a:ext uri="{FF2B5EF4-FFF2-40B4-BE49-F238E27FC236}">
+                <a16:creationId xmlns:a16="http://schemas.microsoft.com/office/drawing/2014/main" id="{4D5286F3-F188-31A9-2149-EE3C4F474659}"/>
+              </a:ext>
+            </a:extLst>
+          </p:cNvPr>
+          <p:cNvSpPr>
+            <a:spLocks noGrp="1"/>
+          </p:cNvSpPr>
+          <p:nvPr>
+            <p:ph idx="1"/>
+          </p:nvPr>
+        </p:nvSpPr>
+        <p:spPr/>
+        <p:txBody>
+          <a:bodyPr/>
+          <a:lstStyle/>
+          <a:p>
+            <a:r>
+              <a:rPr lang="ru-RU" dirty="0"/>
+              <a:t>Был использован скрипт </a:t>
+            </a:r>
+            <a:r>
+              <a:rPr lang="en-CA" dirty="0"/>
+              <a:t>fake_passport_check.py</a:t>
+            </a:r>
+            <a:endParaRPr lang="ru-RU" dirty="0"/>
+          </a:p>
+          <a:p>
+            <a:r>
+              <a:rPr lang="ru-RU" dirty="0"/>
+              <a:t>В файле </a:t>
+            </a:r>
+            <a:r>
+              <a:rPr lang="en-CA" dirty="0"/>
+              <a:t>cleaned_boarding_data.xlsx</a:t>
+            </a:r>
+            <a:r>
+              <a:rPr lang="ru-RU" dirty="0"/>
+              <a:t> сравнивались всегда ли совпадают Имя, фамилия, пол, год рождения по номеру паспорта</a:t>
+            </a:r>
+            <a:endParaRPr lang="ru-RU" dirty="0">
+              <a:solidFill>
+                <a:srgbClr val="CCCCCC"/>
+              </a:solidFill>
+              <a:latin typeface="Consolas" panose="020B0609020204030204" pitchFamily="49" charset="0"/>
+            </a:endParaRPr>
+          </a:p>
+          <a:p>
+            <a:r>
+              <a:rPr lang="ru-RU" dirty="0"/>
+              <a:t>Были найдены два человека, использовавших один и тот же паспорт: </a:t>
+            </a:r>
+            <a:r>
+              <a:rPr lang="en-CA" dirty="0"/>
+              <a:t>BUROV RAMIL ALBERTOVICH 2017-01-03 </a:t>
+            </a:r>
+            <a:r>
+              <a:rPr lang="ru-RU" dirty="0"/>
+              <a:t>документ(8248 013778), этот же документ трижды использовал </a:t>
+            </a:r>
+            <a:r>
+              <a:rPr lang="en-CA" dirty="0"/>
+              <a:t>GLEBOV GORDEI MAKAREVICH</a:t>
+            </a:r>
+            <a:endParaRPr lang="ru-RU" dirty="0"/>
+          </a:p>
+        </p:txBody>
+      </p:sp>
+    </p:spTree>
+    <p:extLst>
+      <p:ext uri="{BB962C8B-B14F-4D97-AF65-F5344CB8AC3E}">
+        <p14:creationId xmlns:p14="http://schemas.microsoft.com/office/powerpoint/2010/main" val="4045687411"/>
+      </p:ext>
+    </p:extLst>
+  </p:cSld>
+  <p:clrMapOvr>
+    <a:masterClrMapping/>
+  </p:clrMapOvr>
+</p:sld>
+</file>
+
+<file path=ppt/slides/slide6.xml><?xml version="1.0" encoding="utf-8"?>
+<p:sld xmlns:a="http://schemas.openxmlformats.org/drawingml/2006/main" xmlns:r="http://schemas.openxmlformats.org/officeDocument/2006/relationships" xmlns:p="http://schemas.openxmlformats.org/presentationml/2006/main">
+  <p:cSld>
+    <p:spTree>
+      <p:nvGrpSpPr>
+        <p:cNvPr id="1" name=""/>
+        <p:cNvGrpSpPr/>
+        <p:nvPr/>
+      </p:nvGrpSpPr>
+      <p:grpSpPr>
+        <a:xfrm>
+          <a:off x="0" y="0"/>
+          <a:ext cx="0" cy="0"/>
+          <a:chOff x="0" y="0"/>
+          <a:chExt cx="0" cy="0"/>
+        </a:xfrm>
+      </p:grpSpPr>
+      <p:sp>
+        <p:nvSpPr>
+          <p:cNvPr id="2" name="Title 1">
+            <a:extLst>
+              <a:ext uri="{FF2B5EF4-FFF2-40B4-BE49-F238E27FC236}">
+                <a16:creationId xmlns:a16="http://schemas.microsoft.com/office/drawing/2014/main" id="{8D83C8AC-BEC9-C1F7-3BF0-BCA08A6C5FD6}"/>
+              </a:ext>
+            </a:extLst>
+          </p:cNvPr>
+          <p:cNvSpPr>
+            <a:spLocks noGrp="1"/>
+          </p:cNvSpPr>
+          <p:nvPr>
+            <p:ph type="title"/>
+          </p:nvPr>
+        </p:nvSpPr>
+        <p:spPr/>
+        <p:txBody>
+          <a:bodyPr/>
+          <a:lstStyle/>
+          <a:p>
+            <a:r>
+              <a:rPr lang="ru-RU" dirty="0"/>
+              <a:t>Объедение данных</a:t>
+            </a:r>
+            <a:endParaRPr lang="LID4096" dirty="0"/>
+          </a:p>
+        </p:txBody>
+      </p:sp>
+      <p:sp>
+        <p:nvSpPr>
+          <p:cNvPr id="3" name="Content Placeholder 2">
+            <a:extLst>
+              <a:ext uri="{FF2B5EF4-FFF2-40B4-BE49-F238E27FC236}">
+                <a16:creationId xmlns:a16="http://schemas.microsoft.com/office/drawing/2014/main" id="{7F685C46-AF0F-30C4-F346-B3AF17A95DC6}"/>
+              </a:ext>
+            </a:extLst>
+          </p:cNvPr>
+          <p:cNvSpPr>
+            <a:spLocks noGrp="1"/>
+          </p:cNvSpPr>
+          <p:nvPr>
+            <p:ph idx="1"/>
+          </p:nvPr>
+        </p:nvSpPr>
+        <p:spPr/>
+        <p:txBody>
+          <a:bodyPr/>
+          <a:lstStyle/>
+          <a:p>
+            <a:r>
+              <a:rPr lang="ru-RU" dirty="0"/>
+              <a:t>Из-за увелечения размера файлов, было принято решение отказаться от </a:t>
+            </a:r>
+            <a:r>
+              <a:rPr lang="en-CA" dirty="0"/>
+              <a:t>xlsx </a:t>
+            </a:r>
+            <a:r>
+              <a:rPr lang="ru-RU" dirty="0"/>
+              <a:t>и объеденять файлы в формате </a:t>
+            </a:r>
+            <a:r>
+              <a:rPr lang="en-CA" dirty="0"/>
+              <a:t>json</a:t>
+            </a:r>
+          </a:p>
+          <a:p>
+            <a:r>
+              <a:rPr lang="en-CA" dirty="0"/>
+              <a:t>xlsx_to_json.py </a:t>
+            </a:r>
+            <a:r>
+              <a:rPr lang="ru-RU" dirty="0"/>
+              <a:t>конвертировал </a:t>
+            </a:r>
+            <a:r>
+              <a:rPr lang="en-CA" dirty="0" err="1"/>
+              <a:t>cleaned_boarding_data</a:t>
+            </a:r>
+            <a:r>
+              <a:rPr lang="ru-RU" dirty="0"/>
+              <a:t>.</a:t>
+            </a:r>
+            <a:r>
+              <a:rPr lang="en-CA" dirty="0"/>
+              <a:t>xlsx </a:t>
+            </a:r>
+            <a:r>
+              <a:rPr lang="ru-RU" dirty="0"/>
+              <a:t>в </a:t>
+            </a:r>
+            <a:r>
+              <a:rPr lang="en-CA" dirty="0"/>
+              <a:t>json </a:t>
+            </a:r>
+            <a:r>
+              <a:rPr lang="ru-RU" dirty="0"/>
+              <a:t>формат. В некоторых полях отчество было записано только первой буквой отчества. Этот скрипт смотрел все записи по данному номеру документа и если в записях, где только одна буква, это буква совпадала с первой буквой отчества в другой записе, то буква заменялась полноценным отчеством.</a:t>
+            </a:r>
+          </a:p>
+          <a:p>
+            <a:r>
+              <a:rPr lang="ru-RU" dirty="0"/>
+              <a:t>Каждый человек записывался только, один рази при этом мог иметь несколько полетов</a:t>
+            </a:r>
+          </a:p>
+          <a:p>
+            <a:endParaRPr lang="LID4096" dirty="0"/>
+          </a:p>
+        </p:txBody>
+      </p:sp>
+    </p:spTree>
+    <p:extLst>
+      <p:ext uri="{BB962C8B-B14F-4D97-AF65-F5344CB8AC3E}">
+        <p14:creationId xmlns:p14="http://schemas.microsoft.com/office/powerpoint/2010/main" val="491986865"/>
+      </p:ext>
+    </p:extLst>
+  </p:cSld>
+  <p:clrMapOvr>
+    <a:masterClrMapping/>
+  </p:clrMapOvr>
+</p:sld>
+</file>
+
+<file path=ppt/slides/slide7.xml><?xml version="1.0" encoding="utf-8"?>
+<p:sld xmlns:a="http://schemas.openxmlformats.org/drawingml/2006/main" xmlns:r="http://schemas.openxmlformats.org/officeDocument/2006/relationships" xmlns:p="http://schemas.openxmlformats.org/presentationml/2006/main">
+  <p:cSld>
+    <p:spTree>
+      <p:nvGrpSpPr>
+        <p:cNvPr id="1" name=""/>
+        <p:cNvGrpSpPr/>
+        <p:nvPr/>
+      </p:nvGrpSpPr>
+      <p:grpSpPr>
+        <a:xfrm>
+          <a:off x="0" y="0"/>
+          <a:ext cx="0" cy="0"/>
+          <a:chOff x="0" y="0"/>
+          <a:chExt cx="0" cy="0"/>
+        </a:xfrm>
+      </p:grpSpPr>
+      <p:sp>
+        <p:nvSpPr>
+          <p:cNvPr id="2" name="Title 1">
+            <a:extLst>
+              <a:ext uri="{FF2B5EF4-FFF2-40B4-BE49-F238E27FC236}">
+                <a16:creationId xmlns:a16="http://schemas.microsoft.com/office/drawing/2014/main" id="{EFDAD5A1-9D4A-669D-2731-109DFFC30400}"/>
+              </a:ext>
+            </a:extLst>
+          </p:cNvPr>
+          <p:cNvSpPr>
+            <a:spLocks noGrp="1"/>
+          </p:cNvSpPr>
+          <p:nvPr>
+            <p:ph type="title"/>
+          </p:nvPr>
+        </p:nvSpPr>
+        <p:spPr>
+          <a:xfrm>
+            <a:off x="838200" y="365125"/>
+            <a:ext cx="6337041" cy="6380908"/>
+          </a:xfrm>
+        </p:spPr>
+        <p:txBody>
+          <a:bodyPr/>
+          <a:lstStyle/>
+          <a:p>
+            <a:r>
+              <a:rPr lang="ru-RU" dirty="0"/>
+              <a:t>Структура данных после обработки</a:t>
+            </a:r>
+            <a:endParaRPr lang="LID4096" dirty="0"/>
+          </a:p>
+        </p:txBody>
+      </p:sp>
+      <p:pic>
+        <p:nvPicPr>
+          <p:cNvPr id="5" name="Content Placeholder 4">
+            <a:extLst>
+              <a:ext uri="{FF2B5EF4-FFF2-40B4-BE49-F238E27FC236}">
+                <a16:creationId xmlns:a16="http://schemas.microsoft.com/office/drawing/2014/main" id="{9D5E7F08-9F5B-7AD4-090B-36FE4B1B7748}"/>
+              </a:ext>
+            </a:extLst>
+          </p:cNvPr>
+          <p:cNvPicPr>
+            <a:picLocks noGrp="1" noChangeAspect="1"/>
+          </p:cNvPicPr>
+          <p:nvPr>
+            <p:ph idx="1"/>
+          </p:nvPr>
+        </p:nvPicPr>
+        <p:blipFill>
+          <a:blip r:embed="rId2"/>
+          <a:stretch>
+            <a:fillRect/>
+          </a:stretch>
+        </p:blipFill>
+        <p:spPr>
+          <a:xfrm>
+            <a:off x="7464490" y="0"/>
+            <a:ext cx="4727510" cy="6892910"/>
+          </a:xfrm>
+        </p:spPr>
+      </p:pic>
+    </p:spTree>
+    <p:extLst>
+      <p:ext uri="{BB962C8B-B14F-4D97-AF65-F5344CB8AC3E}">
+        <p14:creationId xmlns:p14="http://schemas.microsoft.com/office/powerpoint/2010/main" val="698325637"/>
+      </p:ext>
+    </p:extLst>
+  </p:cSld>
+  <p:clrMapOvr>
+    <a:masterClrMapping/>
+  </p:clrMapOvr>
+</p:sld>
+</file>
+
+<file path=ppt/slides/slide8.xml><?xml version="1.0" encoding="utf-8"?>
+<p:sld xmlns:a="http://schemas.openxmlformats.org/drawingml/2006/main" xmlns:r="http://schemas.openxmlformats.org/officeDocument/2006/relationships" xmlns:p="http://schemas.openxmlformats.org/presentationml/2006/main">
+  <p:cSld>
+    <p:spTree>
+      <p:nvGrpSpPr>
+        <p:cNvPr id="1" name=""/>
+        <p:cNvGrpSpPr/>
+        <p:nvPr/>
+      </p:nvGrpSpPr>
+      <p:grpSpPr>
+        <a:xfrm>
+          <a:off x="0" y="0"/>
+          <a:ext cx="0" cy="0"/>
+          <a:chOff x="0" y="0"/>
+          <a:chExt cx="0" cy="0"/>
+        </a:xfrm>
+      </p:grpSpPr>
+      <p:sp>
+        <p:nvSpPr>
+          <p:cNvPr id="2" name="Title 1">
+            <a:extLst>
+              <a:ext uri="{FF2B5EF4-FFF2-40B4-BE49-F238E27FC236}">
+                <a16:creationId xmlns:a16="http://schemas.microsoft.com/office/drawing/2014/main" id="{3C7D60A2-B5A3-D24F-7113-65A2936B7227}"/>
+              </a:ext>
+            </a:extLst>
+          </p:cNvPr>
+          <p:cNvSpPr>
+            <a:spLocks noGrp="1"/>
+          </p:cNvSpPr>
+          <p:nvPr>
+            <p:ph type="title"/>
+          </p:nvPr>
+        </p:nvSpPr>
+        <p:spPr/>
+        <p:txBody>
+          <a:bodyPr/>
+          <a:lstStyle/>
+          <a:p>
+            <a:r>
+              <a:rPr lang="ru-RU" dirty="0"/>
+              <a:t>Объедение данных</a:t>
+            </a:r>
+            <a:endParaRPr lang="LID4096" dirty="0"/>
+          </a:p>
+        </p:txBody>
+      </p:sp>
+      <p:sp>
+        <p:nvSpPr>
+          <p:cNvPr id="3" name="Content Placeholder 2">
+            <a:extLst>
+              <a:ext uri="{FF2B5EF4-FFF2-40B4-BE49-F238E27FC236}">
+                <a16:creationId xmlns:a16="http://schemas.microsoft.com/office/drawing/2014/main" id="{C733749D-9FBD-D04F-589E-E5A77D7DE7AC}"/>
+              </a:ext>
+            </a:extLst>
+          </p:cNvPr>
+          <p:cNvSpPr>
+            <a:spLocks noGrp="1"/>
+          </p:cNvSpPr>
+          <p:nvPr>
+            <p:ph idx="1"/>
+          </p:nvPr>
+        </p:nvSpPr>
+        <p:spPr>
+          <a:xfrm>
+            <a:off x="838200" y="1825624"/>
+            <a:ext cx="10515600" cy="4948399"/>
+          </a:xfrm>
+        </p:spPr>
+        <p:txBody>
+          <a:bodyPr>
+            <a:normAutofit/>
+          </a:bodyPr>
+          <a:lstStyle/>
+          <a:p>
+            <a:r>
+              <a:rPr lang="en-CA" dirty="0"/>
+              <a:t>add_xlsx_to_json.py</a:t>
+            </a:r>
+            <a:r>
+              <a:rPr lang="ru-RU" dirty="0"/>
+              <a:t> объеденял </a:t>
+            </a:r>
+            <a:r>
+              <a:rPr lang="en-CA" dirty="0" err="1"/>
+              <a:t>boarding_data</a:t>
+            </a:r>
+            <a:r>
+              <a:rPr lang="ru-RU" dirty="0"/>
+              <a:t> и </a:t>
+            </a:r>
+            <a:r>
+              <a:rPr lang="en-CA" dirty="0"/>
+              <a:t>Sirena-export</a:t>
+            </a:r>
+            <a:endParaRPr lang="ru-RU" dirty="0"/>
+          </a:p>
+          <a:p>
+            <a:r>
+              <a:rPr lang="ru-RU" dirty="0"/>
+              <a:t>Менялся форматы даты для приведения к общему виду</a:t>
+            </a:r>
+          </a:p>
+          <a:p>
+            <a:r>
+              <a:rPr lang="ru-RU" dirty="0"/>
+              <a:t>Объеденение происходило по номеру документа, если номер документа из </a:t>
+            </a:r>
+            <a:r>
+              <a:rPr lang="en-CA" dirty="0"/>
+              <a:t>Sirena-export</a:t>
+            </a:r>
+            <a:r>
+              <a:rPr lang="ru-RU" dirty="0"/>
+              <a:t> уже присутствовал в </a:t>
+            </a:r>
+            <a:r>
+              <a:rPr lang="en-CA" dirty="0" err="1"/>
+              <a:t>boarding_data</a:t>
+            </a:r>
+            <a:r>
+              <a:rPr lang="ru-RU" dirty="0"/>
+              <a:t>, то данные о нем дополнялись: </a:t>
+            </a:r>
+            <a:r>
+              <a:rPr lang="en-CA" dirty="0" err="1"/>
+              <a:t>BonusProgramm</a:t>
+            </a:r>
+            <a:r>
+              <a:rPr lang="ru-RU" dirty="0"/>
+              <a:t>, </a:t>
+            </a:r>
+            <a:r>
+              <a:rPr lang="en-CA" dirty="0" err="1"/>
+              <a:t>FullName</a:t>
+            </a:r>
+            <a:r>
+              <a:rPr lang="en-CA" dirty="0"/>
+              <a:t>(</a:t>
+            </a:r>
+            <a:r>
+              <a:rPr lang="en-CA" dirty="0" err="1"/>
+              <a:t>rus</a:t>
+            </a:r>
+            <a:r>
+              <a:rPr lang="en-CA" dirty="0"/>
+              <a:t>)</a:t>
+            </a:r>
+            <a:r>
+              <a:rPr lang="ru-RU" dirty="0"/>
+              <a:t>. Если документ отсутствовал в </a:t>
+            </a:r>
+            <a:r>
+              <a:rPr lang="en-CA" dirty="0"/>
+              <a:t>json</a:t>
+            </a:r>
+            <a:r>
+              <a:rPr lang="ru-RU" dirty="0"/>
+              <a:t>, он добавлялся в </a:t>
+            </a:r>
+            <a:r>
+              <a:rPr lang="en-CA" dirty="0"/>
+              <a:t>json</a:t>
+            </a:r>
+            <a:r>
+              <a:rPr lang="ru-RU" dirty="0"/>
+              <a:t> со всеми данными</a:t>
+            </a:r>
+          </a:p>
+          <a:p>
+            <a:r>
+              <a:rPr lang="ru-RU" dirty="0"/>
+              <a:t>Если человек существует, то проверялись его полеты по полям </a:t>
+            </a:r>
+            <a:r>
+              <a:rPr lang="en-CA" dirty="0" err="1"/>
+              <a:t>BookingCode</a:t>
+            </a:r>
+            <a:r>
+              <a:rPr lang="en-CA" dirty="0"/>
+              <a:t> </a:t>
+            </a:r>
+            <a:r>
+              <a:rPr lang="ru-RU" dirty="0"/>
+              <a:t>и </a:t>
+            </a:r>
+            <a:r>
+              <a:rPr lang="en-CA" dirty="0"/>
+              <a:t>e-Ticket</a:t>
+            </a:r>
+            <a:r>
+              <a:rPr lang="ru-RU" dirty="0"/>
+              <a:t>, если полет присутствовал, но данные были не полными, данные дополнялись. Если полет отсутствовал, то полет добавлялся </a:t>
+            </a:r>
+            <a:endParaRPr lang="LID4096" dirty="0"/>
+          </a:p>
+        </p:txBody>
+      </p:sp>
+    </p:spTree>
+    <p:extLst>
+      <p:ext uri="{BB962C8B-B14F-4D97-AF65-F5344CB8AC3E}">
+        <p14:creationId xmlns:p14="http://schemas.microsoft.com/office/powerpoint/2010/main" val="131886890"/>
+      </p:ext>
+    </p:extLst>
+  </p:cSld>
+  <p:clrMapOvr>
+    <a:masterClrMapping/>
+  </p:clrMapOvr>
+</p:sld>
+</file>
+
+<file path=ppt/slides/slide9.xml><?xml version="1.0" encoding="utf-8"?>
+<p:sld xmlns:a="http://schemas.openxmlformats.org/drawingml/2006/main" xmlns:r="http://schemas.openxmlformats.org/officeDocument/2006/relationships" xmlns:p="http://schemas.openxmlformats.org/presentationml/2006/main">
+  <p:cSld>
+    <p:spTree>
+      <p:nvGrpSpPr>
+        <p:cNvPr id="1" name=""/>
+        <p:cNvGrpSpPr/>
+        <p:nvPr/>
+      </p:nvGrpSpPr>
+      <p:grpSpPr>
+        <a:xfrm>
+          <a:off x="0" y="0"/>
+          <a:ext cx="0" cy="0"/>
+          <a:chOff x="0" y="0"/>
+          <a:chExt cx="0" cy="0"/>
+        </a:xfrm>
+      </p:grpSpPr>
+      <p:sp>
+        <p:nvSpPr>
+          <p:cNvPr id="2" name="Title 1">
+            <a:extLst>
+              <a:ext uri="{FF2B5EF4-FFF2-40B4-BE49-F238E27FC236}">
+                <a16:creationId xmlns:a16="http://schemas.microsoft.com/office/drawing/2014/main" id="{A054129D-307D-0375-C8C6-B45A6E81B394}"/>
+              </a:ext>
+            </a:extLst>
+          </p:cNvPr>
+          <p:cNvSpPr>
+            <a:spLocks noGrp="1"/>
+          </p:cNvSpPr>
+          <p:nvPr>
+            <p:ph type="title"/>
+          </p:nvPr>
+        </p:nvSpPr>
+        <p:spPr/>
+        <p:txBody>
+          <a:bodyPr/>
+          <a:lstStyle/>
+          <a:p>
+            <a:r>
+              <a:rPr lang="ru-RU"/>
+              <a:t>Объедение данных</a:t>
+            </a:r>
+            <a:endParaRPr lang="LID4096"/>
+          </a:p>
+        </p:txBody>
+      </p:sp>
+      <p:sp>
+        <p:nvSpPr>
+          <p:cNvPr id="3" name="Content Placeholder 2">
+            <a:extLst>
+              <a:ext uri="{FF2B5EF4-FFF2-40B4-BE49-F238E27FC236}">
+                <a16:creationId xmlns:a16="http://schemas.microsoft.com/office/drawing/2014/main" id="{8C904DC1-54C1-1127-BE5D-3440232B3B62}"/>
+              </a:ext>
+            </a:extLst>
+          </p:cNvPr>
+          <p:cNvSpPr>
+            <a:spLocks noGrp="1"/>
+          </p:cNvSpPr>
+          <p:nvPr>
+            <p:ph idx="1"/>
+          </p:nvPr>
+        </p:nvSpPr>
+        <p:spPr/>
+        <p:txBody>
+          <a:bodyPr/>
+          <a:lstStyle/>
+          <a:p>
+            <a:r>
+              <a:rPr lang="en-CA" dirty="0"/>
+              <a:t>bp_bd_sirena_merge.py</a:t>
+            </a:r>
+            <a:r>
+              <a:rPr lang="ru-RU" dirty="0"/>
+              <a:t> добавлял </a:t>
+            </a:r>
+            <a:r>
+              <a:rPr lang="en-CA" dirty="0"/>
+              <a:t>Boarding_pass_merged.xlsx</a:t>
+            </a:r>
+            <a:r>
+              <a:rPr lang="ru-RU" dirty="0"/>
+              <a:t> в общий файл </a:t>
+            </a:r>
+            <a:r>
+              <a:rPr lang="en-CA" dirty="0"/>
+              <a:t>json </a:t>
+            </a:r>
+          </a:p>
+          <a:p>
+            <a:r>
+              <a:rPr lang="ru-RU" dirty="0"/>
+              <a:t>Объеднение происходило по номеру билета или номеру бронирования. Если находились совпадающие номер билета или бронирования, данные обновлялись. Если совпадений не было найдено, добавлялись новые данные</a:t>
+            </a:r>
+          </a:p>
+          <a:p>
+            <a:r>
+              <a:rPr lang="ru-RU" dirty="0"/>
+              <a:t>Объедненные данные были загружены </a:t>
+            </a:r>
+            <a:r>
+              <a:rPr lang="en-CA" dirty="0" err="1"/>
+              <a:t>mongoDB</a:t>
+            </a:r>
+            <a:endParaRPr lang="LID4096" dirty="0"/>
+          </a:p>
+        </p:txBody>
+      </p:sp>
+    </p:spTree>
+    <p:extLst>
+      <p:ext uri="{BB962C8B-B14F-4D97-AF65-F5344CB8AC3E}">
+        <p14:creationId xmlns:p14="http://schemas.microsoft.com/office/powerpoint/2010/main" val="3681988353"/>
       </p:ext>
     </p:extLst>
   </p:cSld>
